--- a/Capacitacion.pptx
+++ b/Capacitacion.pptx
@@ -113,6 +113,11 @@
       </a:defRPr>
     </a:lvl9pPr>
   </p:defaultTextStyle>
+  <p:extLst>
+    <p:ext uri="{EFAFB233-063F-42B5-8137-9DF3F51BA10A}">
+      <p15:sldGuideLst xmlns:p15="http://schemas.microsoft.com/office/powerpoint/2012/main"/>
+    </p:ext>
+  </p:extLst>
 </p:presentation>
 </file>
 
@@ -3419,9 +3424,10 @@
           <a:lstStyle/>
           <a:p>
             <a:r>
-              <a:rPr lang="es-CO" dirty="0"/>
-              <a:t>Ebanistería León</a:t>
-            </a:r>
+              <a:rPr lang="es-CO" dirty="0" err="1"/>
+              <a:t>Hoisu</a:t>
+            </a:r>
+            <a:endParaRPr lang="es-CO" dirty="0"/>
           </a:p>
           <a:p>
             <a:endParaRPr lang="es-CO" dirty="0"/>

--- a/Capacitacion.pptx
+++ b/Capacitacion.pptx
@@ -9,12 +9,13 @@
     <p:sldId id="257" r:id="rId3"/>
     <p:sldId id="258" r:id="rId4"/>
     <p:sldId id="259" r:id="rId5"/>
-    <p:sldId id="261" r:id="rId6"/>
-    <p:sldId id="260" r:id="rId7"/>
-    <p:sldId id="262" r:id="rId8"/>
-    <p:sldId id="263" r:id="rId9"/>
+    <p:sldId id="262" r:id="rId6"/>
+    <p:sldId id="263" r:id="rId7"/>
+    <p:sldId id="261" r:id="rId8"/>
+    <p:sldId id="260" r:id="rId9"/>
     <p:sldId id="264" r:id="rId10"/>
-    <p:sldId id="266" r:id="rId11"/>
+    <p:sldId id="267" r:id="rId11"/>
+    <p:sldId id="266" r:id="rId12"/>
   </p:sldIdLst>
   <p:sldSz cx="12192000" cy="6858000"/>
   <p:notesSz cx="6858000" cy="9144000"/>
@@ -270,7 +271,7 @@
           <a:p>
             <a:fld id="{57D39B1E-E07D-4CE1-AF3E-3103C7D1271F}" type="datetimeFigureOut">
               <a:rPr lang="es-CO" smtClean="0"/>
-              <a:t>23/06/2022</a:t>
+              <a:t>24/06/2022</a:t>
             </a:fld>
             <a:endParaRPr lang="es-CO"/>
           </a:p>
@@ -470,7 +471,7 @@
           <a:p>
             <a:fld id="{57D39B1E-E07D-4CE1-AF3E-3103C7D1271F}" type="datetimeFigureOut">
               <a:rPr lang="es-CO" smtClean="0"/>
-              <a:t>23/06/2022</a:t>
+              <a:t>24/06/2022</a:t>
             </a:fld>
             <a:endParaRPr lang="es-CO"/>
           </a:p>
@@ -680,7 +681,7 @@
           <a:p>
             <a:fld id="{57D39B1E-E07D-4CE1-AF3E-3103C7D1271F}" type="datetimeFigureOut">
               <a:rPr lang="es-CO" smtClean="0"/>
-              <a:t>23/06/2022</a:t>
+              <a:t>24/06/2022</a:t>
             </a:fld>
             <a:endParaRPr lang="es-CO"/>
           </a:p>
@@ -880,7 +881,7 @@
           <a:p>
             <a:fld id="{57D39B1E-E07D-4CE1-AF3E-3103C7D1271F}" type="datetimeFigureOut">
               <a:rPr lang="es-CO" smtClean="0"/>
-              <a:t>23/06/2022</a:t>
+              <a:t>24/06/2022</a:t>
             </a:fld>
             <a:endParaRPr lang="es-CO"/>
           </a:p>
@@ -1156,7 +1157,7 @@
           <a:p>
             <a:fld id="{57D39B1E-E07D-4CE1-AF3E-3103C7D1271F}" type="datetimeFigureOut">
               <a:rPr lang="es-CO" smtClean="0"/>
-              <a:t>23/06/2022</a:t>
+              <a:t>24/06/2022</a:t>
             </a:fld>
             <a:endParaRPr lang="es-CO"/>
           </a:p>
@@ -1424,7 +1425,7 @@
           <a:p>
             <a:fld id="{57D39B1E-E07D-4CE1-AF3E-3103C7D1271F}" type="datetimeFigureOut">
               <a:rPr lang="es-CO" smtClean="0"/>
-              <a:t>23/06/2022</a:t>
+              <a:t>24/06/2022</a:t>
             </a:fld>
             <a:endParaRPr lang="es-CO"/>
           </a:p>
@@ -1839,7 +1840,7 @@
           <a:p>
             <a:fld id="{57D39B1E-E07D-4CE1-AF3E-3103C7D1271F}" type="datetimeFigureOut">
               <a:rPr lang="es-CO" smtClean="0"/>
-              <a:t>23/06/2022</a:t>
+              <a:t>24/06/2022</a:t>
             </a:fld>
             <a:endParaRPr lang="es-CO"/>
           </a:p>
@@ -1981,7 +1982,7 @@
           <a:p>
             <a:fld id="{57D39B1E-E07D-4CE1-AF3E-3103C7D1271F}" type="datetimeFigureOut">
               <a:rPr lang="es-CO" smtClean="0"/>
-              <a:t>23/06/2022</a:t>
+              <a:t>24/06/2022</a:t>
             </a:fld>
             <a:endParaRPr lang="es-CO"/>
           </a:p>
@@ -2094,7 +2095,7 @@
           <a:p>
             <a:fld id="{57D39B1E-E07D-4CE1-AF3E-3103C7D1271F}" type="datetimeFigureOut">
               <a:rPr lang="es-CO" smtClean="0"/>
-              <a:t>23/06/2022</a:t>
+              <a:t>24/06/2022</a:t>
             </a:fld>
             <a:endParaRPr lang="es-CO"/>
           </a:p>
@@ -2407,7 +2408,7 @@
           <a:p>
             <a:fld id="{57D39B1E-E07D-4CE1-AF3E-3103C7D1271F}" type="datetimeFigureOut">
               <a:rPr lang="es-CO" smtClean="0"/>
-              <a:t>23/06/2022</a:t>
+              <a:t>24/06/2022</a:t>
             </a:fld>
             <a:endParaRPr lang="es-CO"/>
           </a:p>
@@ -2696,7 +2697,7 @@
           <a:p>
             <a:fld id="{57D39B1E-E07D-4CE1-AF3E-3103C7D1271F}" type="datetimeFigureOut">
               <a:rPr lang="es-CO" smtClean="0"/>
-              <a:t>23/06/2022</a:t>
+              <a:t>24/06/2022</a:t>
             </a:fld>
             <a:endParaRPr lang="es-CO"/>
           </a:p>
@@ -2945,7 +2946,7 @@
           <a:p>
             <a:fld id="{57D39B1E-E07D-4CE1-AF3E-3103C7D1271F}" type="datetimeFigureOut">
               <a:rPr lang="es-CO" smtClean="0"/>
-              <a:t>23/06/2022</a:t>
+              <a:t>24/06/2022</a:t>
             </a:fld>
             <a:endParaRPr lang="es-CO"/>
           </a:p>
@@ -3495,6 +3496,198 @@
           <a:chExt cx="0" cy="0"/>
         </a:xfrm>
       </p:grpSpPr>
+      <p:pic>
+        <p:nvPicPr>
+          <p:cNvPr id="3" name="Imagen 2" descr="Interfaz de usuario gráfica&#10;&#10;Descripción generada automáticamente">
+            <a:extLst>
+              <a:ext uri="{FF2B5EF4-FFF2-40B4-BE49-F238E27FC236}">
+                <a16:creationId xmlns:a16="http://schemas.microsoft.com/office/drawing/2014/main" id="{DA1A8284-0323-F495-DBD9-C171A575ADBE}"/>
+              </a:ext>
+            </a:extLst>
+          </p:cNvPr>
+          <p:cNvPicPr>
+            <a:picLocks noChangeAspect="1"/>
+          </p:cNvPicPr>
+          <p:nvPr/>
+        </p:nvPicPr>
+        <p:blipFill rotWithShape="1">
+          <a:blip r:embed="rId2">
+            <a:extLst>
+              <a:ext uri="{28A0092B-C50C-407E-A947-70E740481C1C}">
+                <a14:useLocalDpi xmlns:a14="http://schemas.microsoft.com/office/drawing/2010/main" val="0"/>
+              </a:ext>
+            </a:extLst>
+          </a:blip>
+          <a:srcRect l="19365" t="1584" r="19515"/>
+          <a:stretch/>
+        </p:blipFill>
+        <p:spPr>
+          <a:xfrm>
+            <a:off x="4163376" y="2337019"/>
+            <a:ext cx="3668885" cy="2953812"/>
+          </a:xfrm>
+          <a:prstGeom prst="rect">
+            <a:avLst/>
+          </a:prstGeom>
+        </p:spPr>
+      </p:pic>
+      <p:pic>
+        <p:nvPicPr>
+          <p:cNvPr id="5" name="Imagen 4" descr="Interfaz de usuario gráfica&#10;&#10;Descripción generada automáticamente con confianza media">
+            <a:extLst>
+              <a:ext uri="{FF2B5EF4-FFF2-40B4-BE49-F238E27FC236}">
+                <a16:creationId xmlns:a16="http://schemas.microsoft.com/office/drawing/2014/main" id="{9952196A-8959-4B96-554F-61F4CCEB8BA6}"/>
+              </a:ext>
+            </a:extLst>
+          </p:cNvPr>
+          <p:cNvPicPr>
+            <a:picLocks noChangeAspect="1"/>
+          </p:cNvPicPr>
+          <p:nvPr/>
+        </p:nvPicPr>
+        <p:blipFill rotWithShape="1">
+          <a:blip r:embed="rId3">
+            <a:extLst>
+              <a:ext uri="{28A0092B-C50C-407E-A947-70E740481C1C}">
+                <a14:useLocalDpi xmlns:a14="http://schemas.microsoft.com/office/drawing/2010/main" val="0"/>
+              </a:ext>
+            </a:extLst>
+          </a:blip>
+          <a:srcRect l="18918" t="536" r="18507" b="1"/>
+          <a:stretch/>
+        </p:blipFill>
+        <p:spPr>
+          <a:xfrm>
+            <a:off x="8028625" y="3539063"/>
+            <a:ext cx="3728236" cy="2953812"/>
+          </a:xfrm>
+          <a:prstGeom prst="rect">
+            <a:avLst/>
+          </a:prstGeom>
+        </p:spPr>
+      </p:pic>
+      <p:sp>
+        <p:nvSpPr>
+          <p:cNvPr id="6" name="Título 1">
+            <a:extLst>
+              <a:ext uri="{FF2B5EF4-FFF2-40B4-BE49-F238E27FC236}">
+                <a16:creationId xmlns:a16="http://schemas.microsoft.com/office/drawing/2014/main" id="{9DCA06AA-3E92-1281-8E93-9818BCD7C224}"/>
+              </a:ext>
+            </a:extLst>
+          </p:cNvPr>
+          <p:cNvSpPr txBox="1">
+            <a:spLocks/>
+          </p:cNvSpPr>
+          <p:nvPr/>
+        </p:nvSpPr>
+        <p:spPr>
+          <a:xfrm>
+            <a:off x="838200" y="365125"/>
+            <a:ext cx="10515600" cy="1325563"/>
+          </a:xfrm>
+          <a:prstGeom prst="rect">
+            <a:avLst/>
+          </a:prstGeom>
+        </p:spPr>
+        <p:txBody>
+          <a:bodyPr/>
+          <a:lstStyle>
+            <a:lvl1pPr algn="l" defTabSz="914400" rtl="0" eaLnBrk="1" latinLnBrk="0" hangingPunct="1">
+              <a:lnSpc>
+                <a:spcPct val="90000"/>
+              </a:lnSpc>
+              <a:spcBef>
+                <a:spcPct val="0"/>
+              </a:spcBef>
+              <a:buNone/>
+              <a:defRPr sz="4400" kern="1200">
+                <a:solidFill>
+                  <a:schemeClr val="tx1"/>
+                </a:solidFill>
+                <a:latin typeface="+mj-lt"/>
+                <a:ea typeface="+mj-ea"/>
+                <a:cs typeface="+mj-cs"/>
+              </a:defRPr>
+            </a:lvl1pPr>
+          </a:lstStyle>
+          <a:p>
+            <a:pPr algn="ctr"/>
+            <a:r>
+              <a:rPr lang="es-CO"/>
+              <a:t>Visualización del Aplicativo</a:t>
+            </a:r>
+            <a:endParaRPr lang="es-CO" dirty="0"/>
+          </a:p>
+        </p:txBody>
+      </p:sp>
+      <p:sp>
+        <p:nvSpPr>
+          <p:cNvPr id="7" name="CuadroTexto 6">
+            <a:extLst>
+              <a:ext uri="{FF2B5EF4-FFF2-40B4-BE49-F238E27FC236}">
+                <a16:creationId xmlns:a16="http://schemas.microsoft.com/office/drawing/2014/main" id="{14080A42-9D50-CD0F-2677-A1D709C7946C}"/>
+              </a:ext>
+            </a:extLst>
+          </p:cNvPr>
+          <p:cNvSpPr txBox="1"/>
+          <p:nvPr/>
+        </p:nvSpPr>
+        <p:spPr>
+          <a:xfrm>
+            <a:off x="679174" y="1690688"/>
+            <a:ext cx="4006738" cy="646331"/>
+          </a:xfrm>
+          <a:prstGeom prst="rect">
+            <a:avLst/>
+          </a:prstGeom>
+          <a:noFill/>
+        </p:spPr>
+        <p:txBody>
+          <a:bodyPr wrap="none" rtlCol="0">
+            <a:spAutoFit/>
+          </a:bodyPr>
+          <a:lstStyle/>
+          <a:p>
+            <a:r>
+              <a:rPr lang="es-ES" sz="1800" b="1" dirty="0"/>
+              <a:t>Interfaz del restaurante y reservaciones.</a:t>
+            </a:r>
+          </a:p>
+          <a:p>
+            <a:endParaRPr lang="es-CO" dirty="0"/>
+          </a:p>
+        </p:txBody>
+      </p:sp>
+    </p:spTree>
+    <p:extLst>
+      <p:ext uri="{BB962C8B-B14F-4D97-AF65-F5344CB8AC3E}">
+        <p14:creationId xmlns:p14="http://schemas.microsoft.com/office/powerpoint/2010/main" val="1206164676"/>
+      </p:ext>
+    </p:extLst>
+  </p:cSld>
+  <p:clrMapOvr>
+    <a:masterClrMapping/>
+  </p:clrMapOvr>
+</p:sld>
+</file>
+
+<file path=ppt/slides/slide11.xml><?xml version="1.0" encoding="utf-8"?>
+<p:sld xmlns:a="http://schemas.openxmlformats.org/drawingml/2006/main" xmlns:r="http://schemas.openxmlformats.org/officeDocument/2006/relationships" xmlns:p="http://schemas.openxmlformats.org/presentationml/2006/main">
+  <p:cSld>
+    <p:spTree>
+      <p:nvGrpSpPr>
+        <p:cNvPr id="1" name=""/>
+        <p:cNvGrpSpPr/>
+        <p:nvPr/>
+      </p:nvGrpSpPr>
+      <p:grpSpPr>
+        <a:xfrm>
+          <a:off x="0" y="0"/>
+          <a:ext cx="0" cy="0"/>
+          <a:chOff x="0" y="0"/>
+          <a:chExt cx="0" cy="0"/>
+        </a:xfrm>
+      </p:grpSpPr>
       <p:sp>
         <p:nvSpPr>
           <p:cNvPr id="2" name="Título 1">
@@ -3517,7 +3710,7 @@
           <a:lstStyle/>
           <a:p>
             <a:r>
-              <a:rPr lang="es-CO" dirty="0"/>
+              <a:rPr lang="es-CO" b="1" dirty="0"/>
               <a:t>Ejercicio</a:t>
             </a:r>
           </a:p>
@@ -3553,6 +3746,18 @@
             <a:r>
               <a:rPr lang="es-CO" dirty="0"/>
               <a:t>Iniciar sesión y agregar un restaurante.</a:t>
+            </a:r>
+          </a:p>
+          <a:p>
+            <a:r>
+              <a:rPr lang="es-CO" dirty="0"/>
+              <a:t>Regresar a al pantalla de inicio y elegir un restaurante.</a:t>
+            </a:r>
+          </a:p>
+          <a:p>
+            <a:r>
+              <a:rPr lang="es-CO" dirty="0"/>
+              <a:t>Entrar al perfil del restaurante y realizar una reservación.</a:t>
             </a:r>
           </a:p>
         </p:txBody>
@@ -3765,7 +3970,7 @@
             </a:r>
             <a:r>
               <a:rPr lang="es-CO" dirty="0"/>
-              <a:t>? Y que servicios ofrece.</a:t>
+              <a:t> y qué servicios ofrece?</a:t>
             </a:r>
           </a:p>
         </p:txBody>
@@ -4269,7 +4474,7 @@
           <p:cNvPr id="2" name="Título 1">
             <a:extLst>
               <a:ext uri="{FF2B5EF4-FFF2-40B4-BE49-F238E27FC236}">
-                <a16:creationId xmlns:a16="http://schemas.microsoft.com/office/drawing/2014/main" id="{B5ECC4AD-1569-3C2E-4222-464DCBA5106E}"/>
+                <a16:creationId xmlns:a16="http://schemas.microsoft.com/office/drawing/2014/main" id="{2F027D5F-A677-B079-EDB7-4CF26C4EB20A}"/>
               </a:ext>
             </a:extLst>
           </p:cNvPr>
@@ -4298,7 +4503,7 @@
           <p:cNvPr id="5" name="Marcador de contenido 4">
             <a:extLst>
               <a:ext uri="{FF2B5EF4-FFF2-40B4-BE49-F238E27FC236}">
-                <a16:creationId xmlns:a16="http://schemas.microsoft.com/office/drawing/2014/main" id="{1E1D4E3D-656E-98B5-E414-BB60EDC94E7A}"/>
+                <a16:creationId xmlns:a16="http://schemas.microsoft.com/office/drawing/2014/main" id="{3FE720FF-8957-24F9-5F0E-2EBE73D501F5}"/>
               </a:ext>
             </a:extLst>
           </p:cNvPr>
@@ -4317,20 +4522,68 @@
               </a:ext>
             </a:extLst>
           </a:blip>
-          <a:srcRect l="25721" r="23674"/>
+          <a:srcRect l="15398" r="16934" b="12160"/>
           <a:stretch/>
         </p:blipFill>
         <p:spPr>
           <a:xfrm>
-            <a:off x="7345018" y="1690688"/>
-            <a:ext cx="4502426" cy="4351338"/>
+            <a:off x="5456582" y="1690688"/>
+            <a:ext cx="6420678" cy="3822216"/>
           </a:xfrm>
         </p:spPr>
       </p:pic>
+      <p:sp>
+        <p:nvSpPr>
+          <p:cNvPr id="4" name="CuadroTexto 3">
+            <a:extLst>
+              <a:ext uri="{FF2B5EF4-FFF2-40B4-BE49-F238E27FC236}">
+                <a16:creationId xmlns:a16="http://schemas.microsoft.com/office/drawing/2014/main" id="{AEC956CB-5D4F-8E44-8C53-C3B6C2E9306F}"/>
+              </a:ext>
+            </a:extLst>
+          </p:cNvPr>
+          <p:cNvSpPr txBox="1"/>
+          <p:nvPr/>
+        </p:nvSpPr>
+        <p:spPr>
+          <a:xfrm>
+            <a:off x="838200" y="2274838"/>
+            <a:ext cx="4025900" cy="2308324"/>
+          </a:xfrm>
+          <a:prstGeom prst="rect">
+            <a:avLst/>
+          </a:prstGeom>
+          <a:noFill/>
+        </p:spPr>
+        <p:txBody>
+          <a:bodyPr wrap="square" rtlCol="0">
+            <a:spAutoFit/>
+          </a:bodyPr>
+          <a:lstStyle/>
+          <a:p>
+            <a:r>
+              <a:rPr lang="es-ES" b="1" dirty="0"/>
+              <a:t>Interfaz de registro.</a:t>
+            </a:r>
+          </a:p>
+          <a:p>
+            <a:endParaRPr lang="es-ES" b="1" dirty="0"/>
+          </a:p>
+          <a:p>
+            <a:pPr marL="285750" indent="-285750">
+              <a:buFont typeface="Arial" panose="020B0604020202020204" pitchFamily="34" charset="0"/>
+              <a:buChar char="•"/>
+            </a:pPr>
+            <a:r>
+              <a:rPr lang="es-CO" dirty="0"/>
+              <a:t>En esta interfaz se deberán llenar los campos solicitados por el formulario de registro, los cuales son: Nombre del restaurante, teléfono, dirección, correo, seleccionar la categoría y seleccionar la ciudad.</a:t>
+            </a:r>
+          </a:p>
+        </p:txBody>
+      </p:sp>
     </p:spTree>
     <p:extLst>
       <p:ext uri="{BB962C8B-B14F-4D97-AF65-F5344CB8AC3E}">
-        <p14:creationId xmlns:p14="http://schemas.microsoft.com/office/powerpoint/2010/main" val="312427030"/>
+        <p14:creationId xmlns:p14="http://schemas.microsoft.com/office/powerpoint/2010/main" val="2856079203"/>
       </p:ext>
     </p:extLst>
   </p:cSld>
@@ -4362,7 +4615,7 @@
           <p:cNvPr id="2" name="Título 1">
             <a:extLst>
               <a:ext uri="{FF2B5EF4-FFF2-40B4-BE49-F238E27FC236}">
-                <a16:creationId xmlns:a16="http://schemas.microsoft.com/office/drawing/2014/main" id="{26239919-343E-96A1-2831-8AFCBE8E1EE1}"/>
+                <a16:creationId xmlns:a16="http://schemas.microsoft.com/office/drawing/2014/main" id="{3100E90B-75F2-E92E-4051-6CACC928B60B}"/>
               </a:ext>
             </a:extLst>
           </p:cNvPr>
@@ -4391,7 +4644,7 @@
           <p:cNvPr id="5" name="Marcador de contenido 4">
             <a:extLst>
               <a:ext uri="{FF2B5EF4-FFF2-40B4-BE49-F238E27FC236}">
-                <a16:creationId xmlns:a16="http://schemas.microsoft.com/office/drawing/2014/main" id="{60DFCB0E-A832-41FE-7DB6-79DC52D53948}"/>
+                <a16:creationId xmlns:a16="http://schemas.microsoft.com/office/drawing/2014/main" id="{86AA9279-2C50-F342-D135-F1127B9FA90B}"/>
               </a:ext>
             </a:extLst>
           </p:cNvPr>
@@ -4410,13 +4663,13 @@
               </a:ext>
             </a:extLst>
           </a:blip>
-          <a:srcRect l="21511" r="20812"/>
+          <a:srcRect l="17247" r="15036"/>
           <a:stretch/>
         </p:blipFill>
         <p:spPr>
           <a:xfrm>
-            <a:off x="6155633" y="1690688"/>
-            <a:ext cx="5198167" cy="4351338"/>
+            <a:off x="5983357" y="1805747"/>
+            <a:ext cx="5883965" cy="4351338"/>
           </a:xfrm>
         </p:spPr>
       </p:pic>
@@ -4425,7 +4678,7 @@
           <p:cNvPr id="6" name="CuadroTexto 5">
             <a:extLst>
               <a:ext uri="{FF2B5EF4-FFF2-40B4-BE49-F238E27FC236}">
-                <a16:creationId xmlns:a16="http://schemas.microsoft.com/office/drawing/2014/main" id="{2CA3C761-BCC3-C286-0EA2-C461B4F93030}"/>
+                <a16:creationId xmlns:a16="http://schemas.microsoft.com/office/drawing/2014/main" id="{0E778946-AC60-FBBC-D674-65B7F427475A}"/>
               </a:ext>
             </a:extLst>
           </p:cNvPr>
@@ -4434,8 +4687,8 @@
         </p:nvSpPr>
         <p:spPr>
           <a:xfrm>
-            <a:off x="1123122" y="1987826"/>
-            <a:ext cx="4770782" cy="646331"/>
+            <a:off x="838200" y="2572363"/>
+            <a:ext cx="4890052" cy="2031325"/>
           </a:xfrm>
           <a:prstGeom prst="rect">
             <a:avLst/>
@@ -4443,20 +4696,27 @@
           <a:noFill/>
         </p:spPr>
         <p:txBody>
-          <a:bodyPr wrap="square" rtlCol="0">
+          <a:bodyPr wrap="square">
             <a:spAutoFit/>
           </a:bodyPr>
           <a:lstStyle/>
           <a:p>
             <a:r>
-              <a:rPr lang="es-CO" b="1" dirty="0"/>
-              <a:t>Apartado de Restaurantes:</a:t>
-            </a:r>
-          </a:p>
-          <a:p>
-            <a:r>
-              <a:rPr lang="es-CO" b="1" dirty="0"/>
-              <a:t>- </a:t>
+              <a:rPr lang="es-ES" b="1" dirty="0"/>
+              <a:t>Interfaz de registro.</a:t>
+            </a:r>
+          </a:p>
+          <a:p>
+            <a:endParaRPr lang="es-ES" b="1" dirty="0"/>
+          </a:p>
+          <a:p>
+            <a:pPr marL="285750" indent="-285750">
+              <a:buFont typeface="Arial" panose="020B0604020202020204" pitchFamily="34" charset="0"/>
+              <a:buChar char="•"/>
+            </a:pPr>
+            <a:r>
+              <a:rPr lang="es-CO" dirty="0"/>
+              <a:t>Adicional, se deberán llenar los campos de: Hora de apertura, hora de cierra, descripción y seleccionar la imagen principal del perfil del restaurante y una imagen referente al menú del restaurante.</a:t>
             </a:r>
           </a:p>
         </p:txBody>
@@ -4464,7 +4724,7 @@
     </p:spTree>
     <p:extLst>
       <p:ext uri="{BB962C8B-B14F-4D97-AF65-F5344CB8AC3E}">
-        <p14:creationId xmlns:p14="http://schemas.microsoft.com/office/powerpoint/2010/main" val="3465038461"/>
+        <p14:creationId xmlns:p14="http://schemas.microsoft.com/office/powerpoint/2010/main" val="2821196589"/>
       </p:ext>
     </p:extLst>
   </p:cSld>
@@ -4496,7 +4756,7 @@
           <p:cNvPr id="2" name="Título 1">
             <a:extLst>
               <a:ext uri="{FF2B5EF4-FFF2-40B4-BE49-F238E27FC236}">
-                <a16:creationId xmlns:a16="http://schemas.microsoft.com/office/drawing/2014/main" id="{2F027D5F-A677-B079-EDB7-4CF26C4EB20A}"/>
+                <a16:creationId xmlns:a16="http://schemas.microsoft.com/office/drawing/2014/main" id="{B5ECC4AD-1569-3C2E-4222-464DCBA5106E}"/>
               </a:ext>
             </a:extLst>
           </p:cNvPr>
@@ -4525,7 +4785,7 @@
           <p:cNvPr id="5" name="Marcador de contenido 4">
             <a:extLst>
               <a:ext uri="{FF2B5EF4-FFF2-40B4-BE49-F238E27FC236}">
-                <a16:creationId xmlns:a16="http://schemas.microsoft.com/office/drawing/2014/main" id="{3FE720FF-8957-24F9-5F0E-2EBE73D501F5}"/>
+                <a16:creationId xmlns:a16="http://schemas.microsoft.com/office/drawing/2014/main" id="{1E1D4E3D-656E-98B5-E414-BB60EDC94E7A}"/>
               </a:ext>
             </a:extLst>
           </p:cNvPr>
@@ -4544,20 +4804,100 @@
               </a:ext>
             </a:extLst>
           </a:blip>
-          <a:srcRect l="15398" r="16934"/>
+          <a:srcRect l="25721" r="23674"/>
           <a:stretch/>
         </p:blipFill>
         <p:spPr>
           <a:xfrm>
-            <a:off x="5456582" y="1690688"/>
-            <a:ext cx="6420678" cy="4351338"/>
+            <a:off x="7345018" y="1690688"/>
+            <a:ext cx="4502426" cy="4351338"/>
           </a:xfrm>
         </p:spPr>
       </p:pic>
+      <p:sp>
+        <p:nvSpPr>
+          <p:cNvPr id="3" name="CuadroTexto 2">
+            <a:extLst>
+              <a:ext uri="{FF2B5EF4-FFF2-40B4-BE49-F238E27FC236}">
+                <a16:creationId xmlns:a16="http://schemas.microsoft.com/office/drawing/2014/main" id="{8B00EC67-6DD1-02D4-7617-B0AF36ACEEE1}"/>
+              </a:ext>
+            </a:extLst>
+          </p:cNvPr>
+          <p:cNvSpPr txBox="1"/>
+          <p:nvPr/>
+        </p:nvSpPr>
+        <p:spPr>
+          <a:xfrm>
+            <a:off x="1079500" y="2070100"/>
+            <a:ext cx="5016500" cy="2862322"/>
+          </a:xfrm>
+          <a:prstGeom prst="rect">
+            <a:avLst/>
+          </a:prstGeom>
+          <a:noFill/>
+        </p:spPr>
+        <p:txBody>
+          <a:bodyPr wrap="square" rtlCol="0">
+            <a:spAutoFit/>
+          </a:bodyPr>
+          <a:lstStyle/>
+          <a:p>
+            <a:r>
+              <a:rPr lang="es-ES" b="1" dirty="0"/>
+              <a:t>Interfaz de inicio de sesión.</a:t>
+            </a:r>
+          </a:p>
+          <a:p>
+            <a:pPr marL="285750" indent="-285750">
+              <a:buFont typeface="Arial" panose="020B0604020202020204" pitchFamily="34" charset="0"/>
+              <a:buChar char="•"/>
+            </a:pPr>
+            <a:endParaRPr lang="es-ES" dirty="0"/>
+          </a:p>
+          <a:p>
+            <a:pPr marL="285750" indent="-285750">
+              <a:buFont typeface="Arial" panose="020B0604020202020204" pitchFamily="34" charset="0"/>
+              <a:buChar char="•"/>
+            </a:pPr>
+            <a:r>
+              <a:rPr lang="es-ES" dirty="0"/>
+              <a:t>En esta pantalla se debe adicionar el correo y la contraseña del usuario.</a:t>
+            </a:r>
+          </a:p>
+          <a:p>
+            <a:pPr marL="285750" indent="-285750">
+              <a:buFont typeface="Arial" panose="020B0604020202020204" pitchFamily="34" charset="0"/>
+              <a:buChar char="•"/>
+            </a:pPr>
+            <a:r>
+              <a:rPr lang="es-ES" dirty="0"/>
+              <a:t>El usuario puede marcar la casilla de “recuérdame” para que la información sea guardada en las cookies del aplicativo.</a:t>
+            </a:r>
+          </a:p>
+          <a:p>
+            <a:pPr marL="285750" indent="-285750">
+              <a:buFont typeface="Arial" panose="020B0604020202020204" pitchFamily="34" charset="0"/>
+              <a:buChar char="•"/>
+            </a:pPr>
+            <a:r>
+              <a:rPr lang="es-ES" dirty="0"/>
+              <a:t>Si la persona ha olvidado su contraseña, es posible que la persona de </a:t>
+            </a:r>
+            <a:r>
+              <a:rPr lang="es-ES" dirty="0" err="1"/>
+              <a:t>click</a:t>
+            </a:r>
+            <a:r>
+              <a:rPr lang="es-ES" dirty="0"/>
+              <a:t> en el enlace de la parte inferior.</a:t>
+            </a:r>
+          </a:p>
+        </p:txBody>
+      </p:sp>
     </p:spTree>
     <p:extLst>
       <p:ext uri="{BB962C8B-B14F-4D97-AF65-F5344CB8AC3E}">
-        <p14:creationId xmlns:p14="http://schemas.microsoft.com/office/powerpoint/2010/main" val="2856079203"/>
+        <p14:creationId xmlns:p14="http://schemas.microsoft.com/office/powerpoint/2010/main" val="312427030"/>
       </p:ext>
     </p:extLst>
   </p:cSld>
@@ -4589,7 +4929,7 @@
           <p:cNvPr id="2" name="Título 1">
             <a:extLst>
               <a:ext uri="{FF2B5EF4-FFF2-40B4-BE49-F238E27FC236}">
-                <a16:creationId xmlns:a16="http://schemas.microsoft.com/office/drawing/2014/main" id="{3100E90B-75F2-E92E-4051-6CACC928B60B}"/>
+                <a16:creationId xmlns:a16="http://schemas.microsoft.com/office/drawing/2014/main" id="{26239919-343E-96A1-2831-8AFCBE8E1EE1}"/>
               </a:ext>
             </a:extLst>
           </p:cNvPr>
@@ -4618,7 +4958,7 @@
           <p:cNvPr id="5" name="Marcador de contenido 4">
             <a:extLst>
               <a:ext uri="{FF2B5EF4-FFF2-40B4-BE49-F238E27FC236}">
-                <a16:creationId xmlns:a16="http://schemas.microsoft.com/office/drawing/2014/main" id="{86AA9279-2C50-F342-D135-F1127B9FA90B}"/>
+                <a16:creationId xmlns:a16="http://schemas.microsoft.com/office/drawing/2014/main" id="{60DFCB0E-A832-41FE-7DB6-79DC52D53948}"/>
               </a:ext>
             </a:extLst>
           </p:cNvPr>
@@ -4637,20 +4977,115 @@
               </a:ext>
             </a:extLst>
           </a:blip>
-          <a:srcRect l="17247" r="15036"/>
+          <a:srcRect l="21511" r="20812"/>
           <a:stretch/>
         </p:blipFill>
         <p:spPr>
           <a:xfrm>
-            <a:off x="5983357" y="1805747"/>
-            <a:ext cx="5883965" cy="4351338"/>
+            <a:off x="6298098" y="2170947"/>
+            <a:ext cx="2670315" cy="2235296"/>
           </a:xfrm>
+        </p:spPr>
+      </p:pic>
+      <p:sp>
+        <p:nvSpPr>
+          <p:cNvPr id="6" name="CuadroTexto 5">
+            <a:extLst>
+              <a:ext uri="{FF2B5EF4-FFF2-40B4-BE49-F238E27FC236}">
+                <a16:creationId xmlns:a16="http://schemas.microsoft.com/office/drawing/2014/main" id="{2CA3C761-BCC3-C286-0EA2-C461B4F93030}"/>
+              </a:ext>
+            </a:extLst>
+          </p:cNvPr>
+          <p:cNvSpPr txBox="1"/>
+          <p:nvPr/>
+        </p:nvSpPr>
+        <p:spPr>
+          <a:xfrm>
+            <a:off x="1123122" y="1987826"/>
+            <a:ext cx="4770782" cy="2031325"/>
+          </a:xfrm>
+          <a:prstGeom prst="rect">
+            <a:avLst/>
+          </a:prstGeom>
+          <a:noFill/>
+        </p:spPr>
+        <p:txBody>
+          <a:bodyPr wrap="square" rtlCol="0">
+            <a:spAutoFit/>
+          </a:bodyPr>
+          <a:lstStyle/>
+          <a:p>
+            <a:r>
+              <a:rPr lang="es-CO" b="1" dirty="0"/>
+              <a:t>Apartado de Restaurantes:</a:t>
+            </a:r>
+          </a:p>
+          <a:p>
+            <a:endParaRPr lang="es-CO" b="1" dirty="0"/>
+          </a:p>
+          <a:p>
+            <a:pPr marL="285750" indent="-285750">
+              <a:buFont typeface="Arial" panose="020B0604020202020204" pitchFamily="34" charset="0"/>
+              <a:buChar char="•"/>
+            </a:pPr>
+            <a:r>
+              <a:rPr lang="es-CO" dirty="0"/>
+              <a:t>En esta pantalla el usuario puede registrar sus restaurantes.</a:t>
+            </a:r>
+          </a:p>
+          <a:p>
+            <a:pPr marL="285750" indent="-285750">
+              <a:buFont typeface="Arial" panose="020B0604020202020204" pitchFamily="34" charset="0"/>
+              <a:buChar char="•"/>
+            </a:pPr>
+            <a:r>
+              <a:rPr lang="es-CO" dirty="0"/>
+              <a:t>El usuario puede visualizar una lista con sus restaurantes favoritos.</a:t>
+            </a:r>
+          </a:p>
+          <a:p>
+            <a:pPr marL="285750" indent="-285750">
+              <a:buFont typeface="Arial" panose="020B0604020202020204" pitchFamily="34" charset="0"/>
+              <a:buChar char="•"/>
+            </a:pPr>
+            <a:endParaRPr lang="es-CO" dirty="0"/>
+          </a:p>
+        </p:txBody>
+      </p:sp>
+      <p:pic>
+        <p:nvPicPr>
+          <p:cNvPr id="3" name="Imagen 2">
+            <a:extLst>
+              <a:ext uri="{FF2B5EF4-FFF2-40B4-BE49-F238E27FC236}">
+                <a16:creationId xmlns:a16="http://schemas.microsoft.com/office/drawing/2014/main" id="{B0129EDB-B54F-E995-801A-8CDAA1F9C5D8}"/>
+              </a:ext>
+            </a:extLst>
+          </p:cNvPr>
+          <p:cNvPicPr>
+            <a:picLocks noChangeAspect="1"/>
+          </p:cNvPicPr>
+          <p:nvPr/>
+        </p:nvPicPr>
+        <p:blipFill>
+          <a:blip r:embed="rId3"/>
+          <a:stretch>
+            <a:fillRect/>
+          </a:stretch>
+        </p:blipFill>
+        <p:spPr>
+          <a:xfrm>
+            <a:off x="8825948" y="3180522"/>
+            <a:ext cx="2787916" cy="2451443"/>
+          </a:xfrm>
+          <a:prstGeom prst="rect">
+            <a:avLst/>
+          </a:prstGeom>
         </p:spPr>
       </p:pic>
     </p:spTree>
     <p:extLst>
       <p:ext uri="{BB962C8B-B14F-4D97-AF65-F5344CB8AC3E}">
-        <p14:creationId xmlns:p14="http://schemas.microsoft.com/office/powerpoint/2010/main" val="2821196589"/>
+        <p14:creationId xmlns:p14="http://schemas.microsoft.com/office/powerpoint/2010/main" val="3465038461"/>
       </p:ext>
     </p:extLst>
   </p:cSld>
@@ -4706,21 +5141,75 @@
           </a:p>
         </p:txBody>
       </p:sp>
+      <p:sp>
+        <p:nvSpPr>
+          <p:cNvPr id="4" name="Marcador de contenido 3">
+            <a:extLst>
+              <a:ext uri="{FF2B5EF4-FFF2-40B4-BE49-F238E27FC236}">
+                <a16:creationId xmlns:a16="http://schemas.microsoft.com/office/drawing/2014/main" id="{14B487C1-1B8B-EFD3-6E4D-F957D1516D4F}"/>
+              </a:ext>
+            </a:extLst>
+          </p:cNvPr>
+          <p:cNvSpPr>
+            <a:spLocks noGrp="1"/>
+          </p:cNvSpPr>
+          <p:nvPr>
+            <p:ph idx="1"/>
+          </p:nvPr>
+        </p:nvSpPr>
+        <p:spPr>
+          <a:xfrm>
+            <a:off x="838200" y="2453466"/>
+            <a:ext cx="4722127" cy="2446124"/>
+          </a:xfrm>
+        </p:spPr>
+        <p:txBody>
+          <a:bodyPr>
+            <a:normAutofit/>
+          </a:bodyPr>
+          <a:lstStyle/>
+          <a:p>
+            <a:pPr marL="0" indent="0">
+              <a:buNone/>
+            </a:pPr>
+            <a:r>
+              <a:rPr lang="es-ES" sz="1800" b="1" dirty="0"/>
+              <a:t>Interfaz del restaurante y reservaciones.</a:t>
+            </a:r>
+          </a:p>
+          <a:p>
+            <a:r>
+              <a:rPr lang="es-ES" sz="1800" dirty="0"/>
+              <a:t>En esta interfaz se podrá visualizar la información respectiva de cada restaurante.</a:t>
+            </a:r>
+          </a:p>
+          <a:p>
+            <a:r>
+              <a:rPr lang="es-ES" sz="1800" dirty="0"/>
+              <a:t>Adicional, desde esta interfaz, los usuarios registrados podrán realizar una reservación en dicho restaurante.</a:t>
+            </a:r>
+          </a:p>
+          <a:p>
+            <a:pPr marL="0" indent="0">
+              <a:buNone/>
+            </a:pPr>
+            <a:endParaRPr lang="es-CO" sz="1800" b="1" dirty="0"/>
+          </a:p>
+        </p:txBody>
+      </p:sp>
       <p:pic>
         <p:nvPicPr>
-          <p:cNvPr id="5" name="Marcador de contenido 4">
-            <a:extLst>
-              <a:ext uri="{FF2B5EF4-FFF2-40B4-BE49-F238E27FC236}">
-                <a16:creationId xmlns:a16="http://schemas.microsoft.com/office/drawing/2014/main" id="{63358031-E181-C65B-793D-DD6663E16DCB}"/>
+          <p:cNvPr id="7" name="Imagen 6" descr="Interfaz de usuario gráfica, Sitio web&#10;&#10;Descripción generada automáticamente">
+            <a:extLst>
+              <a:ext uri="{FF2B5EF4-FFF2-40B4-BE49-F238E27FC236}">
+                <a16:creationId xmlns:a16="http://schemas.microsoft.com/office/drawing/2014/main" id="{F72E5C16-7961-3895-C4B3-DC0107884E62}"/>
               </a:ext>
             </a:extLst>
           </p:cNvPr>
           <p:cNvPicPr>
-            <a:picLocks noGrp="1" noChangeAspect="1"/>
+            <a:picLocks noChangeAspect="1"/>
           </p:cNvPicPr>
-          <p:nvPr>
-            <p:ph idx="1"/>
-          </p:nvPr>
+          <p:nvPr/>
         </p:nvPicPr>
         <p:blipFill rotWithShape="1">
           <a:blip r:embed="rId2">
@@ -4730,14 +5219,17 @@
               </a:ext>
             </a:extLst>
           </a:blip>
-          <a:srcRect l="23295" r="22496"/>
+          <a:srcRect l="17687" r="18731"/>
           <a:stretch/>
         </p:blipFill>
         <p:spPr>
           <a:xfrm>
-            <a:off x="6927574" y="1690688"/>
-            <a:ext cx="4949687" cy="4351338"/>
+            <a:off x="6631673" y="1825625"/>
+            <a:ext cx="4722127" cy="3701806"/>
           </a:xfrm>
+          <a:prstGeom prst="rect">
+            <a:avLst/>
+          </a:prstGeom>
         </p:spPr>
       </p:pic>
     </p:spTree>
